--- a/PPT/New.pptx
+++ b/PPT/New.pptx
@@ -263,7 +263,7 @@
           <a:p>
             <a:fld id="{F547F32C-DE88-4C9A-A2DD-403CE3997C9A}" type="datetimeFigureOut">
               <a:rPr lang="zh-TW" altLang="en-US" smtClean="0"/>
-              <a:t>2025/2/15</a:t>
+              <a:t>2025/2/19</a:t>
             </a:fld>
             <a:endParaRPr lang="zh-TW" altLang="en-US"/>
           </a:p>
@@ -463,7 +463,7 @@
           <a:p>
             <a:fld id="{F547F32C-DE88-4C9A-A2DD-403CE3997C9A}" type="datetimeFigureOut">
               <a:rPr lang="zh-TW" altLang="en-US" smtClean="0"/>
-              <a:t>2025/2/15</a:t>
+              <a:t>2025/2/19</a:t>
             </a:fld>
             <a:endParaRPr lang="zh-TW" altLang="en-US"/>
           </a:p>
@@ -673,7 +673,7 @@
           <a:p>
             <a:fld id="{F547F32C-DE88-4C9A-A2DD-403CE3997C9A}" type="datetimeFigureOut">
               <a:rPr lang="zh-TW" altLang="en-US" smtClean="0"/>
-              <a:t>2025/2/15</a:t>
+              <a:t>2025/2/19</a:t>
             </a:fld>
             <a:endParaRPr lang="zh-TW" altLang="en-US"/>
           </a:p>
@@ -873,7 +873,7 @@
           <a:p>
             <a:fld id="{F547F32C-DE88-4C9A-A2DD-403CE3997C9A}" type="datetimeFigureOut">
               <a:rPr lang="zh-TW" altLang="en-US" smtClean="0"/>
-              <a:t>2025/2/15</a:t>
+              <a:t>2025/2/19</a:t>
             </a:fld>
             <a:endParaRPr lang="zh-TW" altLang="en-US"/>
           </a:p>
@@ -1149,7 +1149,7 @@
           <a:p>
             <a:fld id="{F547F32C-DE88-4C9A-A2DD-403CE3997C9A}" type="datetimeFigureOut">
               <a:rPr lang="zh-TW" altLang="en-US" smtClean="0"/>
-              <a:t>2025/2/15</a:t>
+              <a:t>2025/2/19</a:t>
             </a:fld>
             <a:endParaRPr lang="zh-TW" altLang="en-US"/>
           </a:p>
@@ -1417,7 +1417,7 @@
           <a:p>
             <a:fld id="{F547F32C-DE88-4C9A-A2DD-403CE3997C9A}" type="datetimeFigureOut">
               <a:rPr lang="zh-TW" altLang="en-US" smtClean="0"/>
-              <a:t>2025/2/15</a:t>
+              <a:t>2025/2/19</a:t>
             </a:fld>
             <a:endParaRPr lang="zh-TW" altLang="en-US"/>
           </a:p>
@@ -1832,7 +1832,7 @@
           <a:p>
             <a:fld id="{F547F32C-DE88-4C9A-A2DD-403CE3997C9A}" type="datetimeFigureOut">
               <a:rPr lang="zh-TW" altLang="en-US" smtClean="0"/>
-              <a:t>2025/2/15</a:t>
+              <a:t>2025/2/19</a:t>
             </a:fld>
             <a:endParaRPr lang="zh-TW" altLang="en-US"/>
           </a:p>
@@ -1974,7 +1974,7 @@
           <a:p>
             <a:fld id="{F547F32C-DE88-4C9A-A2DD-403CE3997C9A}" type="datetimeFigureOut">
               <a:rPr lang="zh-TW" altLang="en-US" smtClean="0"/>
-              <a:t>2025/2/15</a:t>
+              <a:t>2025/2/19</a:t>
             </a:fld>
             <a:endParaRPr lang="zh-TW" altLang="en-US"/>
           </a:p>
@@ -2087,7 +2087,7 @@
           <a:p>
             <a:fld id="{F547F32C-DE88-4C9A-A2DD-403CE3997C9A}" type="datetimeFigureOut">
               <a:rPr lang="zh-TW" altLang="en-US" smtClean="0"/>
-              <a:t>2025/2/15</a:t>
+              <a:t>2025/2/19</a:t>
             </a:fld>
             <a:endParaRPr lang="zh-TW" altLang="en-US"/>
           </a:p>
@@ -2400,7 +2400,7 @@
           <a:p>
             <a:fld id="{F547F32C-DE88-4C9A-A2DD-403CE3997C9A}" type="datetimeFigureOut">
               <a:rPr lang="zh-TW" altLang="en-US" smtClean="0"/>
-              <a:t>2025/2/15</a:t>
+              <a:t>2025/2/19</a:t>
             </a:fld>
             <a:endParaRPr lang="zh-TW" altLang="en-US"/>
           </a:p>
@@ -2689,7 +2689,7 @@
           <a:p>
             <a:fld id="{F547F32C-DE88-4C9A-A2DD-403CE3997C9A}" type="datetimeFigureOut">
               <a:rPr lang="zh-TW" altLang="en-US" smtClean="0"/>
-              <a:t>2025/2/15</a:t>
+              <a:t>2025/2/19</a:t>
             </a:fld>
             <a:endParaRPr lang="zh-TW" altLang="en-US"/>
           </a:p>
@@ -2932,7 +2932,7 @@
           <a:p>
             <a:fld id="{F547F32C-DE88-4C9A-A2DD-403CE3997C9A}" type="datetimeFigureOut">
               <a:rPr lang="zh-TW" altLang="en-US" smtClean="0"/>
-              <a:t>2025/2/15</a:t>
+              <a:t>2025/2/19</a:t>
             </a:fld>
             <a:endParaRPr lang="zh-TW" altLang="en-US"/>
           </a:p>
@@ -3549,30 +3549,84 @@
                 <a:ea typeface="新細明體" panose="02020500000000000000" pitchFamily="18" charset="-120"/>
                 <a:cs typeface="Times New Roman" panose="02020603050405020304" pitchFamily="18" charset="0"/>
               </a:rPr>
-              <a:t>The </a:t>
-            </a:r>
-            <a:r>
-              <a:rPr lang="en-US" altLang="zh-TW" sz="2400" dirty="0">
-                <a:solidFill>
-                  <a:srgbClr val="FF0000"/>
-                </a:solidFill>
+              <a:t>Though</a:t>
+            </a:r>
+            <a:r>
+              <a:rPr lang="zh-TW" altLang="en-US" sz="2400" dirty="0">
+                <a:effectLst/>
                 <a:latin typeface="Times New Roman" panose="02020603050405020304" pitchFamily="18" charset="0"/>
                 <a:ea typeface="新細明體" panose="02020500000000000000" pitchFamily="18" charset="-120"/>
                 <a:cs typeface="Times New Roman" panose="02020603050405020304" pitchFamily="18" charset="0"/>
               </a:rPr>
-              <a:t>s</a:t>
+              <a:t> </a:t>
+            </a:r>
+            <a:r>
+              <a:rPr lang="en-US" altLang="zh-TW" sz="2400" dirty="0">
+                <a:effectLst/>
+                <a:latin typeface="Times New Roman" panose="02020603050405020304" pitchFamily="18" charset="0"/>
+                <a:ea typeface="新細明體" panose="02020500000000000000" pitchFamily="18" charset="-120"/>
+                <a:cs typeface="Times New Roman" panose="02020603050405020304" pitchFamily="18" charset="0"/>
+              </a:rPr>
+              <a:t>Reinforcement Learning (RL) or Deep Learning (DL)-based</a:t>
+            </a:r>
+            <a:r>
+              <a:rPr lang="zh-TW" altLang="en-US" sz="2400" dirty="0">
+                <a:effectLst/>
+                <a:latin typeface="Times New Roman" panose="02020603050405020304" pitchFamily="18" charset="0"/>
+                <a:ea typeface="新細明體" panose="02020500000000000000" pitchFamily="18" charset="-120"/>
+                <a:cs typeface="Times New Roman" panose="02020603050405020304" pitchFamily="18" charset="0"/>
+              </a:rPr>
+              <a:t> </a:t>
+            </a:r>
+            <a:r>
+              <a:rPr lang="en-US" altLang="zh-TW" sz="2400" dirty="0">
+                <a:effectLst/>
+                <a:latin typeface="Times New Roman" panose="02020603050405020304" pitchFamily="18" charset="0"/>
+                <a:ea typeface="新細明體" panose="02020500000000000000" pitchFamily="18" charset="-120"/>
+                <a:cs typeface="Times New Roman" panose="02020603050405020304" pitchFamily="18" charset="0"/>
+              </a:rPr>
+              <a:t>methods such as [1]–[4] have been proposed to offer benefit</a:t>
+            </a:r>
+            <a:r>
+              <a:rPr lang="zh-TW" altLang="en-US" sz="2400" dirty="0">
+                <a:effectLst/>
+                <a:latin typeface="Times New Roman" panose="02020603050405020304" pitchFamily="18" charset="0"/>
+                <a:ea typeface="新細明體" panose="02020500000000000000" pitchFamily="18" charset="-120"/>
+                <a:cs typeface="Times New Roman" panose="02020603050405020304" pitchFamily="18" charset="0"/>
+              </a:rPr>
+              <a:t> </a:t>
+            </a:r>
+            <a:r>
+              <a:rPr lang="en-US" altLang="zh-TW" sz="2400" dirty="0">
+                <a:effectLst/>
+                <a:latin typeface="Times New Roman" panose="02020603050405020304" pitchFamily="18" charset="0"/>
+                <a:ea typeface="新細明體" panose="02020500000000000000" pitchFamily="18" charset="-120"/>
+                <a:cs typeface="Times New Roman" panose="02020603050405020304" pitchFamily="18" charset="0"/>
+              </a:rPr>
+              <a:t>of automating the macro placement actions, they incurred</a:t>
+            </a:r>
+            <a:r>
+              <a:rPr lang="zh-TW" altLang="en-US" sz="2400" dirty="0">
+                <a:effectLst/>
+                <a:latin typeface="Times New Roman" panose="02020603050405020304" pitchFamily="18" charset="0"/>
+                <a:ea typeface="新細明體" panose="02020500000000000000" pitchFamily="18" charset="-120"/>
+                <a:cs typeface="Times New Roman" panose="02020603050405020304" pitchFamily="18" charset="0"/>
+              </a:rPr>
+              <a:t> </a:t>
             </a:r>
             <a:r>
               <a:rPr lang="en-US" altLang="zh-TW" sz="2400" dirty="0">
                 <a:solidFill>
-                  <a:srgbClr val="FF0000"/>
+                  <a:schemeClr val="accent5">
+                    <a:lumMod val="75000"/>
+                  </a:schemeClr>
                 </a:solidFill>
                 <a:effectLst/>
                 <a:latin typeface="Times New Roman" panose="02020603050405020304" pitchFamily="18" charset="0"/>
                 <a:ea typeface="新細明體" panose="02020500000000000000" pitchFamily="18" charset="-120"/>
                 <a:cs typeface="Times New Roman" panose="02020603050405020304" pitchFamily="18" charset="0"/>
               </a:rPr>
-              <a:t>equential</a:t>
+              <a:t>legalization problems</a:t>
             </a:r>
             <a:r>
               <a:rPr lang="en-US" altLang="zh-TW" sz="2400" dirty="0">
@@ -3581,19 +3635,21 @@
                 <a:ea typeface="新細明體" panose="02020500000000000000" pitchFamily="18" charset="-120"/>
                 <a:cs typeface="Times New Roman" panose="02020603050405020304" pitchFamily="18" charset="0"/>
               </a:rPr>
-              <a:t> routing approach uses </a:t>
+              <a:t>, </a:t>
             </a:r>
             <a:r>
               <a:rPr lang="en-US" altLang="zh-TW" sz="2400" dirty="0">
                 <a:solidFill>
-                  <a:srgbClr val="FF0000"/>
+                  <a:schemeClr val="accent5">
+                    <a:lumMod val="75000"/>
+                  </a:schemeClr>
                 </a:solidFill>
                 <a:effectLst/>
                 <a:latin typeface="Times New Roman" panose="02020603050405020304" pitchFamily="18" charset="0"/>
                 <a:ea typeface="新細明體" panose="02020500000000000000" pitchFamily="18" charset="-120"/>
                 <a:cs typeface="Times New Roman" panose="02020603050405020304" pitchFamily="18" charset="0"/>
               </a:rPr>
-              <a:t>iterative</a:t>
+              <a:t>huge computational</a:t>
             </a:r>
             <a:r>
               <a:rPr lang="en-US" altLang="zh-TW" sz="2400" dirty="0">
@@ -3602,19 +3658,49 @@
                 <a:ea typeface="新細明體" panose="02020500000000000000" pitchFamily="18" charset="-120"/>
                 <a:cs typeface="Times New Roman" panose="02020603050405020304" pitchFamily="18" charset="0"/>
               </a:rPr>
-              <a:t> </a:t>
+              <a:t>, and the </a:t>
             </a:r>
             <a:r>
               <a:rPr lang="en-US" altLang="zh-TW" sz="2400" dirty="0">
                 <a:solidFill>
-                  <a:srgbClr val="FF0000"/>
+                  <a:schemeClr val="accent5">
+                    <a:lumMod val="75000"/>
+                  </a:schemeClr>
                 </a:solidFill>
                 <a:effectLst/>
                 <a:latin typeface="Times New Roman" panose="02020603050405020304" pitchFamily="18" charset="0"/>
                 <a:ea typeface="新細明體" panose="02020500000000000000" pitchFamily="18" charset="-120"/>
                 <a:cs typeface="Times New Roman" panose="02020603050405020304" pitchFamily="18" charset="0"/>
               </a:rPr>
-              <a:t>rip-up and reroute</a:t>
+              <a:t>training</a:t>
+            </a:r>
+            <a:r>
+              <a:rPr lang="zh-TW" altLang="en-US" sz="2400" dirty="0">
+                <a:solidFill>
+                  <a:schemeClr val="accent5">
+                    <a:lumMod val="75000"/>
+                  </a:schemeClr>
+                </a:solidFill>
+                <a:effectLst/>
+                <a:latin typeface="Times New Roman" panose="02020603050405020304" pitchFamily="18" charset="0"/>
+                <a:ea typeface="新細明體" panose="02020500000000000000" pitchFamily="18" charset="-120"/>
+                <a:cs typeface="Times New Roman" panose="02020603050405020304" pitchFamily="18" charset="0"/>
+              </a:rPr>
+              <a:t> </a:t>
+            </a:r>
+            <a:r>
+              <a:rPr lang="en-US" altLang="zh-TW" sz="2400" dirty="0">
+                <a:solidFill>
+                  <a:schemeClr val="accent5">
+                    <a:lumMod val="75000"/>
+                  </a:schemeClr>
+                </a:solidFill>
+                <a:effectLst/>
+                <a:latin typeface="Times New Roman" panose="02020603050405020304" pitchFamily="18" charset="0"/>
+                <a:ea typeface="新細明體" panose="02020500000000000000" pitchFamily="18" charset="-120"/>
+                <a:cs typeface="Times New Roman" panose="02020603050405020304" pitchFamily="18" charset="0"/>
+              </a:rPr>
+              <a:t>design dataset is not easy to access</a:t>
             </a:r>
             <a:r>
               <a:rPr lang="en-US" altLang="zh-TW" sz="2400" dirty="0">
@@ -3623,93 +3709,7 @@
                 <a:ea typeface="新細明體" panose="02020500000000000000" pitchFamily="18" charset="-120"/>
                 <a:cs typeface="Times New Roman" panose="02020603050405020304" pitchFamily="18" charset="0"/>
               </a:rPr>
-              <a:t> </a:t>
-            </a:r>
-            <a:r>
-              <a:rPr lang="en-US" altLang="zh-TW" sz="2400" dirty="0">
-                <a:solidFill>
-                  <a:srgbClr val="FF0000"/>
-                </a:solidFill>
-                <a:effectLst/>
-                <a:latin typeface="Times New Roman" panose="02020603050405020304" pitchFamily="18" charset="0"/>
-                <a:ea typeface="新細明體" panose="02020500000000000000" pitchFamily="18" charset="-120"/>
-                <a:cs typeface="Times New Roman" panose="02020603050405020304" pitchFamily="18" charset="0"/>
-              </a:rPr>
-              <a:t>(R&amp;R) </a:t>
-            </a:r>
-            <a:r>
-              <a:rPr lang="en-US" altLang="zh-TW" sz="2400" dirty="0">
-                <a:effectLst/>
-                <a:latin typeface="Times New Roman" panose="02020603050405020304" pitchFamily="18" charset="0"/>
-                <a:ea typeface="新細明體" panose="02020500000000000000" pitchFamily="18" charset="-120"/>
-                <a:cs typeface="Times New Roman" panose="02020603050405020304" pitchFamily="18" charset="0"/>
-              </a:rPr>
-              <a:t>to reduce the number of design rule violations (DRVs) [1]</a:t>
-            </a:r>
-            <a:r>
-              <a:rPr lang="zh-TW" altLang="zh-TW" sz="2400" dirty="0">
-                <a:effectLst/>
-                <a:latin typeface="Times New Roman" panose="02020603050405020304" pitchFamily="18" charset="0"/>
-                <a:ea typeface="新細明體" panose="02020500000000000000" pitchFamily="18" charset="-120"/>
-                <a:cs typeface="Times New Roman" panose="02020603050405020304" pitchFamily="18" charset="0"/>
-              </a:rPr>
-              <a:t>–</a:t>
-            </a:r>
-            <a:r>
-              <a:rPr lang="en-US" altLang="zh-TW" sz="2400" dirty="0">
-                <a:effectLst/>
-                <a:latin typeface="Times New Roman" panose="02020603050405020304" pitchFamily="18" charset="0"/>
-                <a:ea typeface="新細明體" panose="02020500000000000000" pitchFamily="18" charset="-120"/>
-                <a:cs typeface="Times New Roman" panose="02020603050405020304" pitchFamily="18" charset="0"/>
-              </a:rPr>
-              <a:t>[7].</a:t>
-            </a:r>
-          </a:p>
-          <a:p>
-            <a:pPr algn="l"/>
-            <a:r>
-              <a:rPr lang="en-US" altLang="zh-TW" sz="2400" dirty="0">
-                <a:latin typeface="Times New Roman" panose="02020603050405020304" pitchFamily="18" charset="0"/>
-                <a:cs typeface="Times New Roman" panose="02020603050405020304" pitchFamily="18" charset="0"/>
-              </a:rPr>
-              <a:t>Issue</a:t>
-            </a:r>
-          </a:p>
-          <a:p>
-            <a:pPr lvl="1"/>
-            <a:r>
-              <a:rPr lang="en-US" altLang="zh-TW" sz="2200" b="0" i="0" u="none" strike="noStrike" baseline="0" dirty="0">
-                <a:latin typeface="Times New Roman" panose="02020603050405020304" pitchFamily="18" charset="0"/>
-                <a:cs typeface="Times New Roman" panose="02020603050405020304" pitchFamily="18" charset="0"/>
-              </a:rPr>
-              <a:t>The </a:t>
-            </a:r>
-            <a:r>
-              <a:rPr lang="en-US" altLang="zh-TW" sz="2200" b="0" i="0" u="none" strike="noStrike" baseline="0" dirty="0">
-                <a:solidFill>
-                  <a:srgbClr val="FF0000"/>
-                </a:solidFill>
-                <a:latin typeface="Times New Roman" panose="02020603050405020304" pitchFamily="18" charset="0"/>
-                <a:cs typeface="Times New Roman" panose="02020603050405020304" pitchFamily="18" charset="0"/>
-              </a:rPr>
-              <a:t>net ordering </a:t>
-            </a:r>
-            <a:r>
-              <a:rPr lang="en-US" altLang="zh-TW" sz="2200" b="0" i="0" u="none" strike="noStrike" baseline="0" dirty="0">
-                <a:latin typeface="Times New Roman" panose="02020603050405020304" pitchFamily="18" charset="0"/>
-                <a:cs typeface="Times New Roman" panose="02020603050405020304" pitchFamily="18" charset="0"/>
-              </a:rPr>
-              <a:t>during routing is critical for the runtime and the solution quality.</a:t>
-            </a:r>
-          </a:p>
-          <a:p>
-            <a:pPr lvl="1"/>
-            <a:r>
-              <a:rPr lang="en-US" altLang="zh-TW" sz="2200" dirty="0">
-                <a:latin typeface="Times New Roman" panose="02020603050405020304" pitchFamily="18" charset="0"/>
-                <a:cs typeface="Times New Roman" panose="02020603050405020304" pitchFamily="18" charset="0"/>
-              </a:rPr>
-              <a:t>Net routes ripped-up may be discarded too early.</a:t>
+              <a:t>.</a:t>
             </a:r>
           </a:p>
           <a:p>
@@ -3739,35 +3739,6 @@
           </a:p>
         </p:txBody>
       </p:sp>
-      <p:pic>
-        <p:nvPicPr>
-          <p:cNvPr id="4" name="Picture 3">
-            <a:extLst>
-              <a:ext uri="{FF2B5EF4-FFF2-40B4-BE49-F238E27FC236}">
-                <a16:creationId xmlns:a16="http://schemas.microsoft.com/office/drawing/2014/main" id="{F4892E8F-6454-927F-6FA7-891DF3A754AB}"/>
-              </a:ext>
-            </a:extLst>
-          </p:cNvPr>
-          <p:cNvPicPr>
-            <a:picLocks noChangeAspect="1"/>
-          </p:cNvPicPr>
-          <p:nvPr/>
-        </p:nvPicPr>
-        <p:blipFill>
-          <a:blip r:embed="rId2"/>
-          <a:srcRect b="22671"/>
-          <a:stretch/>
-        </p:blipFill>
-        <p:spPr>
-          <a:xfrm>
-            <a:off x="2529679" y="3798527"/>
-            <a:ext cx="7575804" cy="2860025"/>
-          </a:xfrm>
-          <a:prstGeom prst="rect">
-            <a:avLst/>
-          </a:prstGeom>
-        </p:spPr>
-      </p:pic>
     </p:spTree>
     <p:extLst>
       <p:ext uri="{BB962C8B-B14F-4D97-AF65-F5344CB8AC3E}">
